--- a/LC/LC 18 corps purs et mélanges binaires (CPGE)/LC 18 diapo.pptx
+++ b/LC/LC 18 corps purs et mélanges binaires (CPGE)/LC 18 diapo.pptx
@@ -7,15 +7,16 @@
     <p:sldMasterId id="2147483709" r:id="rId3"/>
   </p:sldMasterIdLst>
   <p:notesMasterIdLst>
-    <p:notesMasterId r:id="rId10"/>
+    <p:notesMasterId r:id="rId11"/>
   </p:notesMasterIdLst>
   <p:sldIdLst>
     <p:sldId id="257" r:id="rId4"/>
     <p:sldId id="261" r:id="rId5"/>
     <p:sldId id="259" r:id="rId6"/>
-    <p:sldId id="260" r:id="rId7"/>
-    <p:sldId id="262" r:id="rId8"/>
-    <p:sldId id="258" r:id="rId9"/>
+    <p:sldId id="263" r:id="rId7"/>
+    <p:sldId id="260" r:id="rId8"/>
+    <p:sldId id="262" r:id="rId9"/>
+    <p:sldId id="258" r:id="rId10"/>
   </p:sldIdLst>
   <p:sldSz cx="9144000" cy="5145088"/>
   <p:notesSz cx="7559675" cy="10691813"/>
@@ -204,7 +205,7 @@
           <a:p>
             <a:fld id="{E92782F5-A916-4653-9283-0B21DAE59FD2}" type="datetimeFigureOut">
               <a:rPr lang="fr-FR" smtClean="0"/>
-              <a:t>2020-04-06</a:t>
+              <a:t>2020-05-07</a:t>
             </a:fld>
             <a:endParaRPr lang="fr-FR"/>
           </a:p>
@@ -3440,6 +3441,1185 @@
           <p:cNvPr id="2" name="Espace réservé du numéro de diapositive 1">
             <a:extLst>
               <a:ext uri="{FF2B5EF4-FFF2-40B4-BE49-F238E27FC236}">
+                <a16:creationId xmlns:a16="http://schemas.microsoft.com/office/drawing/2014/main" id="{AED28A2D-4964-4D72-B8EA-D3C93316E6C2}"/>
+              </a:ext>
+            </a:extLst>
+          </p:cNvPr>
+          <p:cNvSpPr>
+            <a:spLocks noGrp="1"/>
+          </p:cNvSpPr>
+          <p:nvPr>
+            <p:ph type="sldNum" sz="quarter" idx="12"/>
+          </p:nvPr>
+        </p:nvSpPr>
+        <p:spPr/>
+        <p:txBody>
+          <a:bodyPr/>
+          <a:lstStyle/>
+          <a:p>
+            <a:fld id="{4FAB73BC-B049-4115-A692-8D63A059BFB8}" type="slidenum">
+              <a:rPr lang="en-US" smtClean="0"/>
+              <a:pPr/>
+              <a:t>4</a:t>
+            </a:fld>
+            <a:endParaRPr lang="en-US" dirty="0"/>
+          </a:p>
+        </p:txBody>
+      </p:sp>
+      <p:sp>
+        <p:nvSpPr>
+          <p:cNvPr id="3" name="Titre 2">
+            <a:extLst>
+              <a:ext uri="{FF2B5EF4-FFF2-40B4-BE49-F238E27FC236}">
+                <a16:creationId xmlns:a16="http://schemas.microsoft.com/office/drawing/2014/main" id="{86655DE2-21F3-43F8-BCDE-AC40C33EA268}"/>
+              </a:ext>
+            </a:extLst>
+          </p:cNvPr>
+          <p:cNvSpPr>
+            <a:spLocks noGrp="1"/>
+          </p:cNvSpPr>
+          <p:nvPr>
+            <p:ph type="title"/>
+          </p:nvPr>
+        </p:nvSpPr>
+        <p:spPr>
+          <a:xfrm>
+            <a:off x="204717" y="144379"/>
+            <a:ext cx="8748214" cy="694497"/>
+          </a:xfrm>
+        </p:spPr>
+        <p:txBody>
+          <a:bodyPr/>
+          <a:lstStyle/>
+          <a:p>
+            <a:r>
+              <a:rPr lang="fr-FR" dirty="0"/>
+              <a:t>Théorème des moments chimiques</a:t>
+            </a:r>
+          </a:p>
+        </p:txBody>
+      </p:sp>
+      <p:sp>
+        <p:nvSpPr>
+          <p:cNvPr id="4" name="Rectangle 3">
+            <a:extLst>
+              <a:ext uri="{FF2B5EF4-FFF2-40B4-BE49-F238E27FC236}">
+                <a16:creationId xmlns:a16="http://schemas.microsoft.com/office/drawing/2014/main" id="{D3FC7056-F586-4B46-A631-799A9A238F13}"/>
+              </a:ext>
+            </a:extLst>
+          </p:cNvPr>
+          <p:cNvSpPr/>
+          <p:nvPr/>
+        </p:nvSpPr>
+        <p:spPr>
+          <a:xfrm>
+            <a:off x="204718" y="1043451"/>
+            <a:ext cx="4579933" cy="1394997"/>
+          </a:xfrm>
+          <a:prstGeom prst="rect">
+            <a:avLst/>
+          </a:prstGeom>
+        </p:spPr>
+        <p:txBody>
+          <a:bodyPr wrap="square">
+            <a:spAutoFit/>
+          </a:bodyPr>
+          <a:lstStyle/>
+          <a:p>
+            <a:pPr marL="285750" indent="-285750">
+              <a:lnSpc>
+                <a:spcPct val="107000"/>
+              </a:lnSpc>
+              <a:spcAft>
+                <a:spcPts val="0"/>
+              </a:spcAft>
+              <a:buFont typeface="Arial" panose="020B0604020202020204" pitchFamily="34" charset="0"/>
+              <a:buChar char="•"/>
+            </a:pPr>
+            <a:r>
+              <a:rPr lang="fr-FR" sz="2000" b="1" dirty="0" err="1">
+                <a:latin typeface="+mj-lt"/>
+                <a:ea typeface="Calibri" panose="020F0502020204030204" pitchFamily="34" charset="0"/>
+                <a:cs typeface="Times New Roman" panose="02020603050405020304" pitchFamily="18" charset="0"/>
+              </a:rPr>
+              <a:t>m</a:t>
+            </a:r>
+            <a:r>
+              <a:rPr lang="fr-FR" sz="2000" b="1" baseline="-25000" dirty="0" err="1">
+                <a:latin typeface="+mj-lt"/>
+                <a:ea typeface="Calibri" panose="020F0502020204030204" pitchFamily="34" charset="0"/>
+                <a:cs typeface="Times New Roman" panose="02020603050405020304" pitchFamily="18" charset="0"/>
+              </a:rPr>
+              <a:t>Ni</a:t>
+            </a:r>
+            <a:r>
+              <a:rPr lang="fr-FR" sz="2000" b="1" baseline="-25000" dirty="0">
+                <a:latin typeface="+mj-lt"/>
+                <a:ea typeface="Calibri" panose="020F0502020204030204" pitchFamily="34" charset="0"/>
+                <a:cs typeface="Times New Roman" panose="02020603050405020304" pitchFamily="18" charset="0"/>
+              </a:rPr>
+              <a:t> </a:t>
+            </a:r>
+            <a:r>
+              <a:rPr lang="fr-FR" sz="2000" b="1" dirty="0">
+                <a:latin typeface="+mj-lt"/>
+                <a:ea typeface="Calibri" panose="020F0502020204030204" pitchFamily="34" charset="0"/>
+                <a:cs typeface="Times New Roman" panose="02020603050405020304" pitchFamily="18" charset="0"/>
+              </a:rPr>
+              <a:t>= </a:t>
+            </a:r>
+            <a:r>
+              <a:rPr lang="fr-FR" sz="2000" b="1" dirty="0" err="1">
+                <a:latin typeface="+mj-lt"/>
+                <a:ea typeface="Calibri" panose="020F0502020204030204" pitchFamily="34" charset="0"/>
+                <a:cs typeface="Times New Roman" panose="02020603050405020304" pitchFamily="18" charset="0"/>
+              </a:rPr>
+              <a:t>m</a:t>
+            </a:r>
+            <a:r>
+              <a:rPr lang="fr-FR" sz="2000" b="1" baseline="-25000" dirty="0" err="1">
+                <a:latin typeface="+mj-lt"/>
+                <a:ea typeface="Calibri" panose="020F0502020204030204" pitchFamily="34" charset="0"/>
+                <a:cs typeface="Times New Roman" panose="02020603050405020304" pitchFamily="18" charset="0"/>
+              </a:rPr>
+              <a:t>Ni</a:t>
+            </a:r>
+            <a:r>
+              <a:rPr lang="fr-FR" sz="2000" b="1" baseline="30000" dirty="0" err="1">
+                <a:latin typeface="+mj-lt"/>
+                <a:ea typeface="Calibri" panose="020F0502020204030204" pitchFamily="34" charset="0"/>
+                <a:cs typeface="Times New Roman" panose="02020603050405020304" pitchFamily="18" charset="0"/>
+              </a:rPr>
+              <a:t>liq</a:t>
+            </a:r>
+            <a:r>
+              <a:rPr lang="fr-FR" sz="2000" b="1" baseline="30000" dirty="0">
+                <a:latin typeface="+mj-lt"/>
+                <a:ea typeface="Calibri" panose="020F0502020204030204" pitchFamily="34" charset="0"/>
+                <a:cs typeface="Times New Roman" panose="02020603050405020304" pitchFamily="18" charset="0"/>
+              </a:rPr>
+              <a:t> </a:t>
+            </a:r>
+            <a:r>
+              <a:rPr lang="fr-FR" sz="2000" b="1" dirty="0">
+                <a:latin typeface="+mj-lt"/>
+                <a:ea typeface="Calibri" panose="020F0502020204030204" pitchFamily="34" charset="0"/>
+                <a:cs typeface="Times New Roman" panose="02020603050405020304" pitchFamily="18" charset="0"/>
+              </a:rPr>
+              <a:t>+ </a:t>
+            </a:r>
+            <a:r>
+              <a:rPr lang="fr-FR" sz="2000" b="1" dirty="0" err="1">
+                <a:latin typeface="+mj-lt"/>
+                <a:ea typeface="Calibri" panose="020F0502020204030204" pitchFamily="34" charset="0"/>
+                <a:cs typeface="Times New Roman" panose="02020603050405020304" pitchFamily="18" charset="0"/>
+              </a:rPr>
+              <a:t>m</a:t>
+            </a:r>
+            <a:r>
+              <a:rPr lang="fr-FR" sz="2000" b="1" baseline="-25000" dirty="0" err="1">
+                <a:latin typeface="+mj-lt"/>
+                <a:ea typeface="Calibri" panose="020F0502020204030204" pitchFamily="34" charset="0"/>
+                <a:cs typeface="Times New Roman" panose="02020603050405020304" pitchFamily="18" charset="0"/>
+              </a:rPr>
+              <a:t>Ni</a:t>
+            </a:r>
+            <a:r>
+              <a:rPr lang="fr-FR" sz="2000" b="1" baseline="30000" dirty="0" err="1">
+                <a:latin typeface="+mj-lt"/>
+                <a:ea typeface="Calibri" panose="020F0502020204030204" pitchFamily="34" charset="0"/>
+                <a:cs typeface="Times New Roman" panose="02020603050405020304" pitchFamily="18" charset="0"/>
+              </a:rPr>
+              <a:t>S</a:t>
+            </a:r>
+            <a:r>
+              <a:rPr lang="fr-FR" sz="2000" b="1" dirty="0">
+                <a:latin typeface="+mj-lt"/>
+                <a:ea typeface="Calibri" panose="020F0502020204030204" pitchFamily="34" charset="0"/>
+                <a:cs typeface="Times New Roman" panose="02020603050405020304" pitchFamily="18" charset="0"/>
+              </a:rPr>
+              <a:t> = </a:t>
+            </a:r>
+            <a:r>
+              <a:rPr lang="fr-FR" sz="2000" b="1" dirty="0" err="1">
+                <a:latin typeface="+mj-lt"/>
+                <a:ea typeface="Calibri" panose="020F0502020204030204" pitchFamily="34" charset="0"/>
+                <a:cs typeface="Times New Roman" panose="02020603050405020304" pitchFamily="18" charset="0"/>
+              </a:rPr>
+              <a:t>w</a:t>
+            </a:r>
+            <a:r>
+              <a:rPr lang="fr-FR" sz="2000" b="1" baseline="-25000" dirty="0" err="1">
+                <a:latin typeface="+mj-lt"/>
+                <a:ea typeface="Calibri" panose="020F0502020204030204" pitchFamily="34" charset="0"/>
+                <a:cs typeface="Times New Roman" panose="02020603050405020304" pitchFamily="18" charset="0"/>
+              </a:rPr>
+              <a:t>Ni</a:t>
+            </a:r>
+            <a:r>
+              <a:rPr lang="fr-FR" sz="2000" b="1" baseline="30000" dirty="0" err="1">
+                <a:latin typeface="+mj-lt"/>
+                <a:ea typeface="Calibri" panose="020F0502020204030204" pitchFamily="34" charset="0"/>
+                <a:cs typeface="Times New Roman" panose="02020603050405020304" pitchFamily="18" charset="0"/>
+              </a:rPr>
+              <a:t>liq</a:t>
+            </a:r>
+            <a:r>
+              <a:rPr lang="fr-FR" sz="2000" b="1" dirty="0">
+                <a:latin typeface="+mj-lt"/>
+                <a:ea typeface="Calibri" panose="020F0502020204030204" pitchFamily="34" charset="0"/>
+                <a:cs typeface="Times New Roman" panose="02020603050405020304" pitchFamily="18" charset="0"/>
+              </a:rPr>
+              <a:t> . </a:t>
+            </a:r>
+            <a:r>
+              <a:rPr lang="fr-FR" sz="2000" b="1" dirty="0" err="1">
+                <a:latin typeface="+mj-lt"/>
+                <a:ea typeface="Calibri" panose="020F0502020204030204" pitchFamily="34" charset="0"/>
+                <a:cs typeface="Times New Roman" panose="02020603050405020304" pitchFamily="18" charset="0"/>
+              </a:rPr>
+              <a:t>m</a:t>
+            </a:r>
+            <a:r>
+              <a:rPr lang="fr-FR" sz="2000" b="1" baseline="30000" dirty="0" err="1">
+                <a:latin typeface="+mj-lt"/>
+                <a:ea typeface="Calibri" panose="020F0502020204030204" pitchFamily="34" charset="0"/>
+                <a:cs typeface="Times New Roman" panose="02020603050405020304" pitchFamily="18" charset="0"/>
+              </a:rPr>
+              <a:t>liq</a:t>
+            </a:r>
+            <a:r>
+              <a:rPr lang="fr-FR" sz="2000" b="1" dirty="0">
+                <a:latin typeface="+mj-lt"/>
+                <a:ea typeface="Calibri" panose="020F0502020204030204" pitchFamily="34" charset="0"/>
+                <a:cs typeface="Times New Roman" panose="02020603050405020304" pitchFamily="18" charset="0"/>
+              </a:rPr>
+              <a:t> + </a:t>
+            </a:r>
+            <a:r>
+              <a:rPr lang="fr-FR" sz="2000" b="1" dirty="0" err="1">
+                <a:latin typeface="+mj-lt"/>
+                <a:ea typeface="Calibri" panose="020F0502020204030204" pitchFamily="34" charset="0"/>
+                <a:cs typeface="Times New Roman" panose="02020603050405020304" pitchFamily="18" charset="0"/>
+              </a:rPr>
+              <a:t>w</a:t>
+            </a:r>
+            <a:r>
+              <a:rPr lang="fr-FR" sz="2000" b="1" baseline="-25000" dirty="0" err="1">
+                <a:latin typeface="+mj-lt"/>
+                <a:ea typeface="Calibri" panose="020F0502020204030204" pitchFamily="34" charset="0"/>
+                <a:cs typeface="Times New Roman" panose="02020603050405020304" pitchFamily="18" charset="0"/>
+              </a:rPr>
+              <a:t>Ni</a:t>
+            </a:r>
+            <a:r>
+              <a:rPr lang="fr-FR" sz="2000" b="1" baseline="30000" dirty="0" err="1">
+                <a:latin typeface="+mj-lt"/>
+                <a:ea typeface="Calibri" panose="020F0502020204030204" pitchFamily="34" charset="0"/>
+                <a:cs typeface="Times New Roman" panose="02020603050405020304" pitchFamily="18" charset="0"/>
+              </a:rPr>
+              <a:t>S</a:t>
+            </a:r>
+            <a:r>
+              <a:rPr lang="fr-FR" sz="2000" b="1" dirty="0">
+                <a:latin typeface="+mj-lt"/>
+                <a:ea typeface="Calibri" panose="020F0502020204030204" pitchFamily="34" charset="0"/>
+                <a:cs typeface="Times New Roman" panose="02020603050405020304" pitchFamily="18" charset="0"/>
+              </a:rPr>
+              <a:t>. </a:t>
+            </a:r>
+            <a:r>
+              <a:rPr lang="fr-FR" sz="2000" b="1" dirty="0" err="1">
+                <a:latin typeface="+mj-lt"/>
+                <a:ea typeface="Calibri" panose="020F0502020204030204" pitchFamily="34" charset="0"/>
+                <a:cs typeface="Times New Roman" panose="02020603050405020304" pitchFamily="18" charset="0"/>
+              </a:rPr>
+              <a:t>m</a:t>
+            </a:r>
+            <a:r>
+              <a:rPr lang="fr-FR" sz="2000" b="1" baseline="30000" dirty="0" err="1">
+                <a:latin typeface="+mj-lt"/>
+                <a:ea typeface="Calibri" panose="020F0502020204030204" pitchFamily="34" charset="0"/>
+                <a:cs typeface="Times New Roman" panose="02020603050405020304" pitchFamily="18" charset="0"/>
+              </a:rPr>
+              <a:t>S</a:t>
+            </a:r>
+            <a:r>
+              <a:rPr lang="fr-FR" sz="2000" b="1" baseline="30000" dirty="0">
+                <a:latin typeface="+mj-lt"/>
+                <a:ea typeface="Calibri" panose="020F0502020204030204" pitchFamily="34" charset="0"/>
+                <a:cs typeface="Times New Roman" panose="02020603050405020304" pitchFamily="18" charset="0"/>
+              </a:rPr>
+              <a:t>  </a:t>
+            </a:r>
+            <a:endParaRPr lang="fr-FR" sz="2000" b="1" dirty="0">
+              <a:latin typeface="+mj-lt"/>
+              <a:ea typeface="Calibri" panose="020F0502020204030204" pitchFamily="34" charset="0"/>
+              <a:cs typeface="Times New Roman" panose="02020603050405020304" pitchFamily="18" charset="0"/>
+            </a:endParaRPr>
+          </a:p>
+          <a:p>
+            <a:pPr>
+              <a:lnSpc>
+                <a:spcPct val="107000"/>
+              </a:lnSpc>
+              <a:spcAft>
+                <a:spcPts val="0"/>
+              </a:spcAft>
+            </a:pPr>
+            <a:r>
+              <a:rPr lang="fr-FR" sz="2000" b="1" baseline="30000" dirty="0">
+                <a:latin typeface="+mj-lt"/>
+                <a:ea typeface="Calibri" panose="020F0502020204030204" pitchFamily="34" charset="0"/>
+                <a:cs typeface="Times New Roman" panose="02020603050405020304" pitchFamily="18" charset="0"/>
+              </a:rPr>
+              <a:t>    </a:t>
+            </a:r>
+            <a:r>
+              <a:rPr lang="fr-FR" sz="2000" b="1" dirty="0">
+                <a:latin typeface="+mj-lt"/>
+                <a:ea typeface="Calibri" panose="020F0502020204030204" pitchFamily="34" charset="0"/>
+                <a:cs typeface="Times New Roman" panose="02020603050405020304" pitchFamily="18" charset="0"/>
+              </a:rPr>
+              <a:t> </a:t>
+            </a:r>
+          </a:p>
+          <a:p>
+            <a:pPr marL="285750" indent="-285750">
+              <a:lnSpc>
+                <a:spcPct val="107000"/>
+              </a:lnSpc>
+              <a:spcAft>
+                <a:spcPts val="0"/>
+              </a:spcAft>
+              <a:buFont typeface="Arial" panose="020B0604020202020204" pitchFamily="34" charset="0"/>
+              <a:buChar char="•"/>
+            </a:pPr>
+            <a:r>
+              <a:rPr lang="fr-FR" sz="2000" b="1" dirty="0" err="1">
+                <a:latin typeface="+mj-lt"/>
+                <a:ea typeface="Calibri" panose="020F0502020204030204" pitchFamily="34" charset="0"/>
+                <a:cs typeface="Times New Roman" panose="02020603050405020304" pitchFamily="18" charset="0"/>
+              </a:rPr>
+              <a:t>m</a:t>
+            </a:r>
+            <a:r>
+              <a:rPr lang="fr-FR" sz="2000" b="1" baseline="-25000" dirty="0" err="1">
+                <a:latin typeface="+mj-lt"/>
+                <a:ea typeface="Calibri" panose="020F0502020204030204" pitchFamily="34" charset="0"/>
+                <a:cs typeface="Times New Roman" panose="02020603050405020304" pitchFamily="18" charset="0"/>
+              </a:rPr>
+              <a:t>Ni</a:t>
+            </a:r>
+            <a:r>
+              <a:rPr lang="fr-FR" sz="2000" b="1" dirty="0">
+                <a:latin typeface="+mj-lt"/>
+                <a:ea typeface="Calibri" panose="020F0502020204030204" pitchFamily="34" charset="0"/>
+                <a:cs typeface="Times New Roman" panose="02020603050405020304" pitchFamily="18" charset="0"/>
+              </a:rPr>
+              <a:t> = </a:t>
+            </a:r>
+            <a:r>
+              <a:rPr lang="fr-FR" sz="2000" b="1" dirty="0" err="1">
+                <a:latin typeface="+mj-lt"/>
+                <a:ea typeface="Calibri" panose="020F0502020204030204" pitchFamily="34" charset="0"/>
+                <a:cs typeface="Times New Roman" panose="02020603050405020304" pitchFamily="18" charset="0"/>
+              </a:rPr>
+              <a:t>w</a:t>
+            </a:r>
+            <a:r>
+              <a:rPr lang="fr-FR" sz="2000" b="1" baseline="-25000" dirty="0" err="1">
+                <a:latin typeface="+mj-lt"/>
+                <a:ea typeface="Calibri" panose="020F0502020204030204" pitchFamily="34" charset="0"/>
+                <a:cs typeface="Times New Roman" panose="02020603050405020304" pitchFamily="18" charset="0"/>
+              </a:rPr>
+              <a:t>Ni</a:t>
+            </a:r>
+            <a:r>
+              <a:rPr lang="fr-FR" sz="2000" b="1" dirty="0">
+                <a:latin typeface="+mj-lt"/>
+                <a:ea typeface="Calibri" panose="020F0502020204030204" pitchFamily="34" charset="0"/>
+                <a:cs typeface="Times New Roman" panose="02020603050405020304" pitchFamily="18" charset="0"/>
+              </a:rPr>
+              <a:t>. </a:t>
+            </a:r>
+            <a:r>
+              <a:rPr lang="fr-FR" sz="2000" b="1" dirty="0" err="1">
+                <a:latin typeface="+mj-lt"/>
+                <a:ea typeface="Calibri" panose="020F0502020204030204" pitchFamily="34" charset="0"/>
+                <a:cs typeface="Times New Roman" panose="02020603050405020304" pitchFamily="18" charset="0"/>
+              </a:rPr>
+              <a:t>mtot</a:t>
+            </a:r>
+            <a:r>
+              <a:rPr lang="fr-FR" sz="2000" b="1" dirty="0">
+                <a:latin typeface="+mj-lt"/>
+                <a:ea typeface="Calibri" panose="020F0502020204030204" pitchFamily="34" charset="0"/>
+                <a:cs typeface="Times New Roman" panose="02020603050405020304" pitchFamily="18" charset="0"/>
+              </a:rPr>
+              <a:t> = </a:t>
+            </a:r>
+            <a:r>
+              <a:rPr lang="fr-FR" sz="2000" b="1" dirty="0" err="1">
+                <a:latin typeface="+mj-lt"/>
+                <a:ea typeface="Calibri" panose="020F0502020204030204" pitchFamily="34" charset="0"/>
+                <a:cs typeface="Times New Roman" panose="02020603050405020304" pitchFamily="18" charset="0"/>
+              </a:rPr>
+              <a:t>w</a:t>
+            </a:r>
+            <a:r>
+              <a:rPr lang="fr-FR" sz="2000" b="1" baseline="-25000" dirty="0" err="1">
+                <a:latin typeface="+mj-lt"/>
+                <a:ea typeface="Calibri" panose="020F0502020204030204" pitchFamily="34" charset="0"/>
+                <a:cs typeface="Times New Roman" panose="02020603050405020304" pitchFamily="18" charset="0"/>
+              </a:rPr>
+              <a:t>Ni</a:t>
+            </a:r>
+            <a:r>
+              <a:rPr lang="fr-FR" sz="2000" b="1" dirty="0">
+                <a:latin typeface="+mj-lt"/>
+                <a:ea typeface="Calibri" panose="020F0502020204030204" pitchFamily="34" charset="0"/>
+                <a:cs typeface="Times New Roman" panose="02020603050405020304" pitchFamily="18" charset="0"/>
+              </a:rPr>
+              <a:t> . (</a:t>
+            </a:r>
+            <a:r>
+              <a:rPr lang="fr-FR" sz="2000" b="1" dirty="0" err="1">
+                <a:latin typeface="+mj-lt"/>
+                <a:ea typeface="Calibri" panose="020F0502020204030204" pitchFamily="34" charset="0"/>
+                <a:cs typeface="Times New Roman" panose="02020603050405020304" pitchFamily="18" charset="0"/>
+              </a:rPr>
+              <a:t>m</a:t>
+            </a:r>
+            <a:r>
+              <a:rPr lang="fr-FR" sz="2000" b="1" baseline="30000" dirty="0" err="1">
+                <a:latin typeface="+mj-lt"/>
+                <a:ea typeface="Calibri" panose="020F0502020204030204" pitchFamily="34" charset="0"/>
+                <a:cs typeface="Times New Roman" panose="02020603050405020304" pitchFamily="18" charset="0"/>
+              </a:rPr>
+              <a:t>liq</a:t>
+            </a:r>
+            <a:r>
+              <a:rPr lang="fr-FR" sz="2000" b="1" dirty="0">
+                <a:latin typeface="+mj-lt"/>
+                <a:ea typeface="Calibri" panose="020F0502020204030204" pitchFamily="34" charset="0"/>
+                <a:cs typeface="Times New Roman" panose="02020603050405020304" pitchFamily="18" charset="0"/>
+              </a:rPr>
+              <a:t> + </a:t>
+            </a:r>
+            <a:r>
+              <a:rPr lang="fr-FR" sz="2000" b="1" dirty="0" err="1">
+                <a:latin typeface="+mj-lt"/>
+                <a:ea typeface="Calibri" panose="020F0502020204030204" pitchFamily="34" charset="0"/>
+                <a:cs typeface="Times New Roman" panose="02020603050405020304" pitchFamily="18" charset="0"/>
+              </a:rPr>
+              <a:t>m</a:t>
+            </a:r>
+            <a:r>
+              <a:rPr lang="fr-FR" sz="2000" b="1" baseline="30000" dirty="0" err="1">
+                <a:latin typeface="+mj-lt"/>
+                <a:ea typeface="Calibri" panose="020F0502020204030204" pitchFamily="34" charset="0"/>
+                <a:cs typeface="Times New Roman" panose="02020603050405020304" pitchFamily="18" charset="0"/>
+              </a:rPr>
+              <a:t>S</a:t>
+            </a:r>
+            <a:r>
+              <a:rPr lang="fr-FR" sz="2000" b="1" dirty="0">
+                <a:latin typeface="+mj-lt"/>
+                <a:ea typeface="Calibri" panose="020F0502020204030204" pitchFamily="34" charset="0"/>
+                <a:cs typeface="Times New Roman" panose="02020603050405020304" pitchFamily="18" charset="0"/>
+              </a:rPr>
+              <a:t>)</a:t>
+            </a:r>
+          </a:p>
+          <a:p>
+            <a:pPr>
+              <a:lnSpc>
+                <a:spcPct val="107000"/>
+              </a:lnSpc>
+              <a:spcAft>
+                <a:spcPts val="0"/>
+              </a:spcAft>
+            </a:pPr>
+            <a:endParaRPr lang="fr-FR" sz="2000" b="1" dirty="0">
+              <a:latin typeface="+mj-lt"/>
+              <a:ea typeface="Calibri" panose="020F0502020204030204" pitchFamily="34" charset="0"/>
+              <a:cs typeface="Times New Roman" panose="02020603050405020304" pitchFamily="18" charset="0"/>
+            </a:endParaRPr>
+          </a:p>
+        </p:txBody>
+      </p:sp>
+      <p:sp>
+        <p:nvSpPr>
+          <p:cNvPr id="5" name="Accolade fermante 4">
+            <a:extLst>
+              <a:ext uri="{FF2B5EF4-FFF2-40B4-BE49-F238E27FC236}">
+                <a16:creationId xmlns:a16="http://schemas.microsoft.com/office/drawing/2014/main" id="{0112DAF1-CDF7-4B35-AA56-25A6D1D0A649}"/>
+              </a:ext>
+            </a:extLst>
+          </p:cNvPr>
+          <p:cNvSpPr/>
+          <p:nvPr/>
+        </p:nvSpPr>
+        <p:spPr>
+          <a:xfrm>
+            <a:off x="4578824" y="1107068"/>
+            <a:ext cx="308344" cy="1151730"/>
+          </a:xfrm>
+          <a:prstGeom prst="rightBrace">
+            <a:avLst/>
+          </a:prstGeom>
+          <a:ln w="19050"/>
+          <a:effectLst>
+            <a:outerShdw blurRad="50800" dist="38100" dir="8100000" algn="tr" rotWithShape="0">
+              <a:prstClr val="black">
+                <a:alpha val="40000"/>
+              </a:prstClr>
+            </a:outerShdw>
+          </a:effectLst>
+        </p:spPr>
+        <p:style>
+          <a:lnRef idx="1">
+            <a:schemeClr val="dk1"/>
+          </a:lnRef>
+          <a:fillRef idx="0">
+            <a:schemeClr val="dk1"/>
+          </a:fillRef>
+          <a:effectRef idx="0">
+            <a:schemeClr val="dk1"/>
+          </a:effectRef>
+          <a:fontRef idx="minor">
+            <a:schemeClr val="tx1"/>
+          </a:fontRef>
+        </p:style>
+        <p:txBody>
+          <a:bodyPr rtlCol="0" anchor="ctr"/>
+          <a:lstStyle/>
+          <a:p>
+            <a:pPr algn="ctr"/>
+            <a:endParaRPr lang="fr-FR"/>
+          </a:p>
+        </p:txBody>
+      </p:sp>
+      <p:sp>
+        <p:nvSpPr>
+          <p:cNvPr id="7" name="Rectangle 6">
+            <a:extLst>
+              <a:ext uri="{FF2B5EF4-FFF2-40B4-BE49-F238E27FC236}">
+                <a16:creationId xmlns:a16="http://schemas.microsoft.com/office/drawing/2014/main" id="{F1C80006-74AE-4250-BAAE-BCA4EE3E428A}"/>
+              </a:ext>
+            </a:extLst>
+          </p:cNvPr>
+          <p:cNvSpPr/>
+          <p:nvPr/>
+        </p:nvSpPr>
+        <p:spPr>
+          <a:xfrm>
+            <a:off x="4887168" y="1498267"/>
+            <a:ext cx="3855543" cy="369332"/>
+          </a:xfrm>
+          <a:prstGeom prst="rect">
+            <a:avLst/>
+          </a:prstGeom>
+        </p:spPr>
+        <p:txBody>
+          <a:bodyPr wrap="none">
+            <a:spAutoFit/>
+          </a:bodyPr>
+          <a:lstStyle/>
+          <a:p>
+            <a:r>
+              <a:rPr lang="fr-FR" b="1" dirty="0" err="1">
+                <a:ea typeface="Calibri" panose="020F0502020204030204" pitchFamily="34" charset="0"/>
+                <a:cs typeface="Times New Roman" panose="02020603050405020304" pitchFamily="18" charset="0"/>
+              </a:rPr>
+              <a:t>w</a:t>
+            </a:r>
+            <a:r>
+              <a:rPr lang="fr-FR" b="1" baseline="-25000" dirty="0" err="1">
+                <a:ea typeface="Calibri" panose="020F0502020204030204" pitchFamily="34" charset="0"/>
+                <a:cs typeface="Times New Roman" panose="02020603050405020304" pitchFamily="18" charset="0"/>
+              </a:rPr>
+              <a:t>Ni</a:t>
+            </a:r>
+            <a:r>
+              <a:rPr lang="fr-FR" b="1" dirty="0">
+                <a:ea typeface="Calibri" panose="020F0502020204030204" pitchFamily="34" charset="0"/>
+                <a:cs typeface="Times New Roman" panose="02020603050405020304" pitchFamily="18" charset="0"/>
+              </a:rPr>
+              <a:t> . (</a:t>
+            </a:r>
+            <a:r>
+              <a:rPr lang="fr-FR" b="1" dirty="0" err="1">
+                <a:ea typeface="Calibri" panose="020F0502020204030204" pitchFamily="34" charset="0"/>
+                <a:cs typeface="Times New Roman" panose="02020603050405020304" pitchFamily="18" charset="0"/>
+              </a:rPr>
+              <a:t>m</a:t>
+            </a:r>
+            <a:r>
+              <a:rPr lang="fr-FR" b="1" baseline="30000" dirty="0" err="1">
+                <a:ea typeface="Calibri" panose="020F0502020204030204" pitchFamily="34" charset="0"/>
+                <a:cs typeface="Times New Roman" panose="02020603050405020304" pitchFamily="18" charset="0"/>
+              </a:rPr>
+              <a:t>liq</a:t>
+            </a:r>
+            <a:r>
+              <a:rPr lang="fr-FR" b="1" dirty="0">
+                <a:ea typeface="Calibri" panose="020F0502020204030204" pitchFamily="34" charset="0"/>
+                <a:cs typeface="Times New Roman" panose="02020603050405020304" pitchFamily="18" charset="0"/>
+              </a:rPr>
+              <a:t> + </a:t>
+            </a:r>
+            <a:r>
+              <a:rPr lang="fr-FR" b="1" dirty="0" err="1">
+                <a:ea typeface="Calibri" panose="020F0502020204030204" pitchFamily="34" charset="0"/>
+                <a:cs typeface="Times New Roman" panose="02020603050405020304" pitchFamily="18" charset="0"/>
+              </a:rPr>
+              <a:t>m</a:t>
+            </a:r>
+            <a:r>
+              <a:rPr lang="fr-FR" b="1" baseline="30000" dirty="0" err="1">
+                <a:ea typeface="Calibri" panose="020F0502020204030204" pitchFamily="34" charset="0"/>
+                <a:cs typeface="Times New Roman" panose="02020603050405020304" pitchFamily="18" charset="0"/>
+              </a:rPr>
+              <a:t>S</a:t>
+            </a:r>
+            <a:r>
+              <a:rPr lang="fr-FR" b="1" dirty="0">
+                <a:ea typeface="Calibri" panose="020F0502020204030204" pitchFamily="34" charset="0"/>
+                <a:cs typeface="Times New Roman" panose="02020603050405020304" pitchFamily="18" charset="0"/>
+              </a:rPr>
+              <a:t>) = </a:t>
+            </a:r>
+            <a:r>
+              <a:rPr lang="fr-FR" b="1" dirty="0" err="1">
+                <a:ea typeface="Calibri" panose="020F0502020204030204" pitchFamily="34" charset="0"/>
+                <a:cs typeface="Times New Roman" panose="02020603050405020304" pitchFamily="18" charset="0"/>
+              </a:rPr>
+              <a:t>w</a:t>
+            </a:r>
+            <a:r>
+              <a:rPr lang="fr-FR" b="1" baseline="-25000" dirty="0" err="1">
+                <a:ea typeface="Calibri" panose="020F0502020204030204" pitchFamily="34" charset="0"/>
+                <a:cs typeface="Times New Roman" panose="02020603050405020304" pitchFamily="18" charset="0"/>
+              </a:rPr>
+              <a:t>Ni</a:t>
+            </a:r>
+            <a:r>
+              <a:rPr lang="fr-FR" b="1" baseline="30000" dirty="0" err="1">
+                <a:ea typeface="Calibri" panose="020F0502020204030204" pitchFamily="34" charset="0"/>
+                <a:cs typeface="Times New Roman" panose="02020603050405020304" pitchFamily="18" charset="0"/>
+              </a:rPr>
+              <a:t>liq</a:t>
+            </a:r>
+            <a:r>
+              <a:rPr lang="fr-FR" b="1" dirty="0">
+                <a:ea typeface="Calibri" panose="020F0502020204030204" pitchFamily="34" charset="0"/>
+                <a:cs typeface="Times New Roman" panose="02020603050405020304" pitchFamily="18" charset="0"/>
+              </a:rPr>
+              <a:t> . </a:t>
+            </a:r>
+            <a:r>
+              <a:rPr lang="fr-FR" b="1" dirty="0" err="1">
+                <a:ea typeface="Calibri" panose="020F0502020204030204" pitchFamily="34" charset="0"/>
+                <a:cs typeface="Times New Roman" panose="02020603050405020304" pitchFamily="18" charset="0"/>
+              </a:rPr>
+              <a:t>m</a:t>
+            </a:r>
+            <a:r>
+              <a:rPr lang="fr-FR" b="1" baseline="30000" dirty="0" err="1">
+                <a:ea typeface="Calibri" panose="020F0502020204030204" pitchFamily="34" charset="0"/>
+                <a:cs typeface="Times New Roman" panose="02020603050405020304" pitchFamily="18" charset="0"/>
+              </a:rPr>
+              <a:t>liq</a:t>
+            </a:r>
+            <a:r>
+              <a:rPr lang="fr-FR" b="1" dirty="0">
+                <a:ea typeface="Calibri" panose="020F0502020204030204" pitchFamily="34" charset="0"/>
+                <a:cs typeface="Times New Roman" panose="02020603050405020304" pitchFamily="18" charset="0"/>
+              </a:rPr>
+              <a:t> + </a:t>
+            </a:r>
+            <a:r>
+              <a:rPr lang="fr-FR" b="1" dirty="0" err="1">
+                <a:ea typeface="Calibri" panose="020F0502020204030204" pitchFamily="34" charset="0"/>
+                <a:cs typeface="Times New Roman" panose="02020603050405020304" pitchFamily="18" charset="0"/>
+              </a:rPr>
+              <a:t>w</a:t>
+            </a:r>
+            <a:r>
+              <a:rPr lang="fr-FR" b="1" baseline="-25000" dirty="0" err="1">
+                <a:ea typeface="Calibri" panose="020F0502020204030204" pitchFamily="34" charset="0"/>
+                <a:cs typeface="Times New Roman" panose="02020603050405020304" pitchFamily="18" charset="0"/>
+              </a:rPr>
+              <a:t>Ni</a:t>
+            </a:r>
+            <a:r>
+              <a:rPr lang="fr-FR" b="1" baseline="30000" dirty="0" err="1">
+                <a:ea typeface="Calibri" panose="020F0502020204030204" pitchFamily="34" charset="0"/>
+                <a:cs typeface="Times New Roman" panose="02020603050405020304" pitchFamily="18" charset="0"/>
+              </a:rPr>
+              <a:t>S</a:t>
+            </a:r>
+            <a:r>
+              <a:rPr lang="fr-FR" b="1" dirty="0">
+                <a:ea typeface="Calibri" panose="020F0502020204030204" pitchFamily="34" charset="0"/>
+                <a:cs typeface="Times New Roman" panose="02020603050405020304" pitchFamily="18" charset="0"/>
+              </a:rPr>
+              <a:t>. </a:t>
+            </a:r>
+            <a:r>
+              <a:rPr lang="fr-FR" b="1" dirty="0" err="1">
+                <a:ea typeface="Calibri" panose="020F0502020204030204" pitchFamily="34" charset="0"/>
+                <a:cs typeface="Times New Roman" panose="02020603050405020304" pitchFamily="18" charset="0"/>
+              </a:rPr>
+              <a:t>m</a:t>
+            </a:r>
+            <a:r>
+              <a:rPr lang="fr-FR" b="1" baseline="30000" dirty="0" err="1">
+                <a:ea typeface="Calibri" panose="020F0502020204030204" pitchFamily="34" charset="0"/>
+                <a:cs typeface="Times New Roman" panose="02020603050405020304" pitchFamily="18" charset="0"/>
+              </a:rPr>
+              <a:t>S</a:t>
+            </a:r>
+            <a:r>
+              <a:rPr lang="fr-FR" b="1" baseline="30000" dirty="0">
+                <a:ea typeface="Calibri" panose="020F0502020204030204" pitchFamily="34" charset="0"/>
+                <a:cs typeface="Times New Roman" panose="02020603050405020304" pitchFamily="18" charset="0"/>
+              </a:rPr>
+              <a:t> </a:t>
+            </a:r>
+            <a:endParaRPr lang="fr-FR" dirty="0"/>
+          </a:p>
+        </p:txBody>
+      </p:sp>
+      <p:sp>
+        <p:nvSpPr>
+          <p:cNvPr id="8" name="Rectangle 7">
+            <a:extLst>
+              <a:ext uri="{FF2B5EF4-FFF2-40B4-BE49-F238E27FC236}">
+                <a16:creationId xmlns:a16="http://schemas.microsoft.com/office/drawing/2014/main" id="{C3CC96FD-7C34-4562-B700-5988545C0749}"/>
+              </a:ext>
+            </a:extLst>
+          </p:cNvPr>
+          <p:cNvSpPr/>
+          <p:nvPr/>
+        </p:nvSpPr>
+        <p:spPr>
+          <a:xfrm>
+            <a:off x="2805224" y="2384768"/>
+            <a:ext cx="3855543" cy="375552"/>
+          </a:xfrm>
+          <a:prstGeom prst="rect">
+            <a:avLst/>
+          </a:prstGeom>
+        </p:spPr>
+        <p:txBody>
+          <a:bodyPr wrap="none">
+            <a:spAutoFit/>
+          </a:bodyPr>
+          <a:lstStyle/>
+          <a:p>
+            <a:pPr>
+              <a:lnSpc>
+                <a:spcPct val="107000"/>
+              </a:lnSpc>
+              <a:spcAft>
+                <a:spcPts val="0"/>
+              </a:spcAft>
+            </a:pPr>
+            <a:r>
+              <a:rPr lang="fr-FR" b="1" dirty="0" err="1">
+                <a:ea typeface="Calibri" panose="020F0502020204030204" pitchFamily="34" charset="0"/>
+                <a:cs typeface="Times New Roman" panose="02020603050405020304" pitchFamily="18" charset="0"/>
+              </a:rPr>
+              <a:t>m</a:t>
+            </a:r>
+            <a:r>
+              <a:rPr lang="fr-FR" b="1" baseline="30000" dirty="0" err="1">
+                <a:ea typeface="Calibri" panose="020F0502020204030204" pitchFamily="34" charset="0"/>
+                <a:cs typeface="Times New Roman" panose="02020603050405020304" pitchFamily="18" charset="0"/>
+              </a:rPr>
+              <a:t>S</a:t>
+            </a:r>
+            <a:r>
+              <a:rPr lang="fr-FR" b="1" dirty="0">
+                <a:ea typeface="Calibri" panose="020F0502020204030204" pitchFamily="34" charset="0"/>
+                <a:cs typeface="Times New Roman" panose="02020603050405020304" pitchFamily="18" charset="0"/>
+              </a:rPr>
+              <a:t> . (</a:t>
+            </a:r>
+            <a:r>
+              <a:rPr lang="fr-FR" b="1" dirty="0" err="1">
+                <a:ea typeface="Calibri" panose="020F0502020204030204" pitchFamily="34" charset="0"/>
+                <a:cs typeface="Times New Roman" panose="02020603050405020304" pitchFamily="18" charset="0"/>
+              </a:rPr>
+              <a:t>w</a:t>
+            </a:r>
+            <a:r>
+              <a:rPr lang="fr-FR" b="1" baseline="-25000" dirty="0" err="1">
+                <a:ea typeface="Calibri" panose="020F0502020204030204" pitchFamily="34" charset="0"/>
+                <a:cs typeface="Times New Roman" panose="02020603050405020304" pitchFamily="18" charset="0"/>
+              </a:rPr>
+              <a:t>Ni</a:t>
+            </a:r>
+            <a:r>
+              <a:rPr lang="fr-FR" b="1" dirty="0">
+                <a:ea typeface="Calibri" panose="020F0502020204030204" pitchFamily="34" charset="0"/>
+                <a:cs typeface="Times New Roman" panose="02020603050405020304" pitchFamily="18" charset="0"/>
+              </a:rPr>
+              <a:t> - </a:t>
+            </a:r>
+            <a:r>
+              <a:rPr lang="fr-FR" b="1" dirty="0" err="1">
+                <a:ea typeface="Calibri" panose="020F0502020204030204" pitchFamily="34" charset="0"/>
+                <a:cs typeface="Times New Roman" panose="02020603050405020304" pitchFamily="18" charset="0"/>
+              </a:rPr>
+              <a:t>w</a:t>
+            </a:r>
+            <a:r>
+              <a:rPr lang="fr-FR" b="1" baseline="-25000" dirty="0" err="1">
+                <a:ea typeface="Calibri" panose="020F0502020204030204" pitchFamily="34" charset="0"/>
+                <a:cs typeface="Times New Roman" panose="02020603050405020304" pitchFamily="18" charset="0"/>
+              </a:rPr>
+              <a:t>Ni</a:t>
+            </a:r>
+            <a:r>
+              <a:rPr lang="fr-FR" b="1" baseline="30000" dirty="0" err="1">
+                <a:ea typeface="Calibri" panose="020F0502020204030204" pitchFamily="34" charset="0"/>
+                <a:cs typeface="Times New Roman" panose="02020603050405020304" pitchFamily="18" charset="0"/>
+              </a:rPr>
+              <a:t>S</a:t>
+            </a:r>
+            <a:r>
+              <a:rPr lang="fr-FR" b="1" dirty="0">
+                <a:ea typeface="Calibri" panose="020F0502020204030204" pitchFamily="34" charset="0"/>
+                <a:cs typeface="Times New Roman" panose="02020603050405020304" pitchFamily="18" charset="0"/>
+              </a:rPr>
+              <a:t>) + </a:t>
+            </a:r>
+            <a:r>
+              <a:rPr lang="fr-FR" b="1" dirty="0" err="1">
+                <a:ea typeface="Calibri" panose="020F0502020204030204" pitchFamily="34" charset="0"/>
+                <a:cs typeface="Times New Roman" panose="02020603050405020304" pitchFamily="18" charset="0"/>
+              </a:rPr>
+              <a:t>m</a:t>
+            </a:r>
+            <a:r>
+              <a:rPr lang="fr-FR" b="1" baseline="30000" dirty="0" err="1">
+                <a:ea typeface="Calibri" panose="020F0502020204030204" pitchFamily="34" charset="0"/>
+                <a:cs typeface="Times New Roman" panose="02020603050405020304" pitchFamily="18" charset="0"/>
+              </a:rPr>
+              <a:t>liq</a:t>
+            </a:r>
+            <a:r>
+              <a:rPr lang="fr-FR" b="1" dirty="0">
+                <a:ea typeface="Calibri" panose="020F0502020204030204" pitchFamily="34" charset="0"/>
+                <a:cs typeface="Times New Roman" panose="02020603050405020304" pitchFamily="18" charset="0"/>
+              </a:rPr>
+              <a:t> . (</a:t>
+            </a:r>
+            <a:r>
+              <a:rPr lang="fr-FR" b="1" dirty="0" err="1">
+                <a:ea typeface="Calibri" panose="020F0502020204030204" pitchFamily="34" charset="0"/>
+                <a:cs typeface="Times New Roman" panose="02020603050405020304" pitchFamily="18" charset="0"/>
+              </a:rPr>
+              <a:t>w</a:t>
+            </a:r>
+            <a:r>
+              <a:rPr lang="fr-FR" b="1" baseline="-25000" dirty="0" err="1">
+                <a:ea typeface="Calibri" panose="020F0502020204030204" pitchFamily="34" charset="0"/>
+                <a:cs typeface="Times New Roman" panose="02020603050405020304" pitchFamily="18" charset="0"/>
+              </a:rPr>
+              <a:t>Ni</a:t>
+            </a:r>
+            <a:r>
+              <a:rPr lang="fr-FR" b="1" dirty="0">
+                <a:ea typeface="Calibri" panose="020F0502020204030204" pitchFamily="34" charset="0"/>
+                <a:cs typeface="Times New Roman" panose="02020603050405020304" pitchFamily="18" charset="0"/>
+              </a:rPr>
+              <a:t> - </a:t>
+            </a:r>
+            <a:r>
+              <a:rPr lang="fr-FR" b="1" dirty="0" err="1">
+                <a:ea typeface="Calibri" panose="020F0502020204030204" pitchFamily="34" charset="0"/>
+                <a:cs typeface="Times New Roman" panose="02020603050405020304" pitchFamily="18" charset="0"/>
+              </a:rPr>
+              <a:t>w</a:t>
+            </a:r>
+            <a:r>
+              <a:rPr lang="fr-FR" b="1" baseline="-25000" dirty="0" err="1">
+                <a:ea typeface="Calibri" panose="020F0502020204030204" pitchFamily="34" charset="0"/>
+                <a:cs typeface="Times New Roman" panose="02020603050405020304" pitchFamily="18" charset="0"/>
+              </a:rPr>
+              <a:t>Ni</a:t>
+            </a:r>
+            <a:r>
+              <a:rPr lang="fr-FR" b="1" baseline="30000" dirty="0" err="1">
+                <a:ea typeface="Calibri" panose="020F0502020204030204" pitchFamily="34" charset="0"/>
+                <a:cs typeface="Times New Roman" panose="02020603050405020304" pitchFamily="18" charset="0"/>
+              </a:rPr>
+              <a:t>liq</a:t>
+            </a:r>
+            <a:r>
+              <a:rPr lang="fr-FR" b="1" dirty="0">
+                <a:ea typeface="Calibri" panose="020F0502020204030204" pitchFamily="34" charset="0"/>
+                <a:cs typeface="Times New Roman" panose="02020603050405020304" pitchFamily="18" charset="0"/>
+              </a:rPr>
+              <a:t>) = 0 </a:t>
+            </a:r>
+          </a:p>
+        </p:txBody>
+      </p:sp>
+      <p:cxnSp>
+        <p:nvCxnSpPr>
+          <p:cNvPr id="10" name="Connecteur droit 9">
+            <a:extLst>
+              <a:ext uri="{FF2B5EF4-FFF2-40B4-BE49-F238E27FC236}">
+                <a16:creationId xmlns:a16="http://schemas.microsoft.com/office/drawing/2014/main" id="{8DC1F325-6C24-42E6-8906-E4676605DDCD}"/>
+              </a:ext>
+            </a:extLst>
+          </p:cNvPr>
+          <p:cNvCxnSpPr/>
+          <p:nvPr/>
+        </p:nvCxnSpPr>
+        <p:spPr>
+          <a:xfrm>
+            <a:off x="1315072" y="2860158"/>
+            <a:ext cx="6513855" cy="0"/>
+          </a:xfrm>
+          <a:prstGeom prst="line">
+            <a:avLst/>
+          </a:prstGeom>
+          <a:ln>
+            <a:prstDash val="lgDash"/>
+          </a:ln>
+        </p:spPr>
+        <p:style>
+          <a:lnRef idx="1">
+            <a:schemeClr val="dk1"/>
+          </a:lnRef>
+          <a:fillRef idx="0">
+            <a:schemeClr val="dk1"/>
+          </a:fillRef>
+          <a:effectRef idx="0">
+            <a:schemeClr val="dk1"/>
+          </a:effectRef>
+          <a:fontRef idx="minor">
+            <a:schemeClr val="tx1"/>
+          </a:fontRef>
+        </p:style>
+      </p:cxnSp>
+      <p:pic>
+        <p:nvPicPr>
+          <p:cNvPr id="11" name="Image 10">
+            <a:extLst>
+              <a:ext uri="{FF2B5EF4-FFF2-40B4-BE49-F238E27FC236}">
+                <a16:creationId xmlns:a16="http://schemas.microsoft.com/office/drawing/2014/main" id="{28D91F8B-D518-438B-B0C3-6B8C077091B8}"/>
+              </a:ext>
+            </a:extLst>
+          </p:cNvPr>
+          <p:cNvPicPr/>
+          <p:nvPr/>
+        </p:nvPicPr>
+        <p:blipFill>
+          <a:blip r:embed="rId2"/>
+          <a:stretch>
+            <a:fillRect/>
+          </a:stretch>
+        </p:blipFill>
+        <p:spPr>
+          <a:xfrm>
+            <a:off x="1807684" y="2955617"/>
+            <a:ext cx="2771140" cy="1764665"/>
+          </a:xfrm>
+          <a:prstGeom prst="rect">
+            <a:avLst/>
+          </a:prstGeom>
+        </p:spPr>
+      </p:pic>
+      <p:sp>
+        <p:nvSpPr>
+          <p:cNvPr id="12" name="ZoneTexte 11">
+            <a:extLst>
+              <a:ext uri="{FF2B5EF4-FFF2-40B4-BE49-F238E27FC236}">
+                <a16:creationId xmlns:a16="http://schemas.microsoft.com/office/drawing/2014/main" id="{DE6269FD-8D98-4900-88B1-B27325FF1C77}"/>
+              </a:ext>
+            </a:extLst>
+          </p:cNvPr>
+          <p:cNvSpPr txBox="1"/>
+          <p:nvPr/>
+        </p:nvSpPr>
+        <p:spPr>
+          <a:xfrm>
+            <a:off x="83310" y="2860158"/>
+            <a:ext cx="2147777" cy="646331"/>
+          </a:xfrm>
+          <a:prstGeom prst="rect">
+            <a:avLst/>
+          </a:prstGeom>
+          <a:noFill/>
+        </p:spPr>
+        <p:txBody>
+          <a:bodyPr wrap="square" rtlCol="0">
+            <a:spAutoFit/>
+          </a:bodyPr>
+          <a:lstStyle/>
+          <a:p>
+            <a:r>
+              <a:rPr lang="fr-FR" dirty="0"/>
+              <a:t>Cas du mélange cuivre-Nikel</a:t>
+            </a:r>
+          </a:p>
+        </p:txBody>
+      </p:sp>
+      <p:sp>
+        <p:nvSpPr>
+          <p:cNvPr id="13" name="ZoneTexte 12">
+            <a:extLst>
+              <a:ext uri="{FF2B5EF4-FFF2-40B4-BE49-F238E27FC236}">
+                <a16:creationId xmlns:a16="http://schemas.microsoft.com/office/drawing/2014/main" id="{A06B3CE8-5B0E-4EC5-8F4F-B189A3978468}"/>
+              </a:ext>
+            </a:extLst>
+          </p:cNvPr>
+          <p:cNvSpPr txBox="1"/>
+          <p:nvPr/>
+        </p:nvSpPr>
+        <p:spPr>
+          <a:xfrm>
+            <a:off x="4578824" y="3391689"/>
+            <a:ext cx="1103727" cy="646331"/>
+          </a:xfrm>
+          <a:prstGeom prst="rect">
+            <a:avLst/>
+          </a:prstGeom>
+          <a:noFill/>
+        </p:spPr>
+        <p:txBody>
+          <a:bodyPr wrap="square" rtlCol="0">
+            <a:spAutoFit/>
+          </a:bodyPr>
+          <a:lstStyle/>
+          <a:p>
+            <a:r>
+              <a:rPr lang="fr-FR" dirty="0" err="1"/>
+              <a:t>w</a:t>
+            </a:r>
+            <a:r>
+              <a:rPr lang="fr-FR" baseline="30000" dirty="0" err="1"/>
+              <a:t>S</a:t>
+            </a:r>
+            <a:r>
+              <a:rPr lang="fr-FR" baseline="-25000" dirty="0" err="1"/>
+              <a:t>Ni</a:t>
+            </a:r>
+            <a:r>
+              <a:rPr lang="fr-FR" dirty="0"/>
+              <a:t> = 0,8 </a:t>
+            </a:r>
+          </a:p>
+          <a:p>
+            <a:r>
+              <a:rPr lang="fr-FR" dirty="0" err="1"/>
+              <a:t>w</a:t>
+            </a:r>
+            <a:r>
+              <a:rPr lang="fr-FR" baseline="-25000" dirty="0" err="1"/>
+              <a:t>Ni</a:t>
+            </a:r>
+            <a:r>
+              <a:rPr lang="fr-FR" baseline="30000" dirty="0" err="1"/>
+              <a:t>L</a:t>
+            </a:r>
+            <a:r>
+              <a:rPr lang="fr-FR" dirty="0"/>
+              <a:t> = 0,4</a:t>
+            </a:r>
+          </a:p>
+        </p:txBody>
+      </p:sp>
+      <p:sp>
+        <p:nvSpPr>
+          <p:cNvPr id="14" name="ZoneTexte 13">
+            <a:extLst>
+              <a:ext uri="{FF2B5EF4-FFF2-40B4-BE49-F238E27FC236}">
+                <a16:creationId xmlns:a16="http://schemas.microsoft.com/office/drawing/2014/main" id="{6319932B-1E22-4C3C-B811-96062D22B1A4}"/>
+              </a:ext>
+            </a:extLst>
+          </p:cNvPr>
+          <p:cNvSpPr txBox="1"/>
+          <p:nvPr/>
+        </p:nvSpPr>
+        <p:spPr>
+          <a:xfrm>
+            <a:off x="6660767" y="3483341"/>
+            <a:ext cx="2254102" cy="369332"/>
+          </a:xfrm>
+          <a:prstGeom prst="rect">
+            <a:avLst/>
+          </a:prstGeom>
+          <a:noFill/>
+        </p:spPr>
+        <p:txBody>
+          <a:bodyPr wrap="square" rtlCol="0">
+            <a:spAutoFit/>
+          </a:bodyPr>
+          <a:lstStyle/>
+          <a:p>
+            <a:r>
+              <a:rPr lang="fr-FR" dirty="0"/>
+              <a:t>Avec </a:t>
+            </a:r>
+            <a:r>
+              <a:rPr lang="fr-FR" dirty="0" err="1"/>
+              <a:t>m</a:t>
+            </a:r>
+            <a:r>
+              <a:rPr lang="fr-FR" baseline="-25000" dirty="0" err="1"/>
+              <a:t>tot</a:t>
+            </a:r>
+            <a:r>
+              <a:rPr lang="fr-FR" dirty="0"/>
+              <a:t> = 100g</a:t>
+            </a:r>
+          </a:p>
+        </p:txBody>
+      </p:sp>
+    </p:spTree>
+    <p:extLst>
+      <p:ext uri="{BB962C8B-B14F-4D97-AF65-F5344CB8AC3E}">
+        <p14:creationId xmlns:p14="http://schemas.microsoft.com/office/powerpoint/2010/main" val="3204459839"/>
+      </p:ext>
+    </p:extLst>
+  </p:cSld>
+  <p:clrMapOvr>
+    <a:masterClrMapping/>
+  </p:clrMapOvr>
+</p:sld>
+</file>
+
+<file path=ppt/slides/slide5.xml><?xml version="1.0" encoding="utf-8"?>
+<p:sld xmlns:a="http://schemas.openxmlformats.org/drawingml/2006/main" xmlns:r="http://schemas.openxmlformats.org/officeDocument/2006/relationships" xmlns:p="http://schemas.openxmlformats.org/presentationml/2006/main">
+  <p:cSld>
+    <p:spTree>
+      <p:nvGrpSpPr>
+        <p:cNvPr id="1" name=""/>
+        <p:cNvGrpSpPr/>
+        <p:nvPr/>
+      </p:nvGrpSpPr>
+      <p:grpSpPr>
+        <a:xfrm>
+          <a:off x="0" y="0"/>
+          <a:ext cx="0" cy="0"/>
+          <a:chOff x="0" y="0"/>
+          <a:chExt cx="0" cy="0"/>
+        </a:xfrm>
+      </p:grpSpPr>
+      <p:sp>
+        <p:nvSpPr>
+          <p:cNvPr id="2" name="Espace réservé du numéro de diapositive 1">
+            <a:extLst>
+              <a:ext uri="{FF2B5EF4-FFF2-40B4-BE49-F238E27FC236}">
                 <a16:creationId xmlns:a16="http://schemas.microsoft.com/office/drawing/2014/main" id="{F3A678D9-1C02-429E-8D5B-7B2EE7B78608}"/>
               </a:ext>
             </a:extLst>
@@ -3459,7 +4639,7 @@
             <a:fld id="{4FAB73BC-B049-4115-A692-8D63A059BFB8}" type="slidenum">
               <a:rPr lang="en-US" smtClean="0"/>
               <a:pPr/>
-              <a:t>4</a:t>
+              <a:t>5</a:t>
             </a:fld>
             <a:endParaRPr lang="en-US" dirty="0"/>
           </a:p>
@@ -3542,7 +4722,7 @@
 </p:sld>
 </file>
 
-<file path=ppt/slides/slide5.xml><?xml version="1.0" encoding="utf-8"?>
+<file path=ppt/slides/slide6.xml><?xml version="1.0" encoding="utf-8"?>
 <p:sld xmlns:a="http://schemas.openxmlformats.org/drawingml/2006/main" xmlns:r="http://schemas.openxmlformats.org/officeDocument/2006/relationships" xmlns:p="http://schemas.openxmlformats.org/presentationml/2006/main">
   <p:cSld>
     <p:spTree>
@@ -3583,7 +4763,7 @@
             <a:fld id="{4FAB73BC-B049-4115-A692-8D63A059BFB8}" type="slidenum">
               <a:rPr lang="en-US" smtClean="0"/>
               <a:pPr/>
-              <a:t>5</a:t>
+              <a:t>6</a:t>
             </a:fld>
             <a:endParaRPr lang="en-US" dirty="0"/>
           </a:p>
@@ -3637,22 +4817,82 @@
           </p:cNvPicPr>
           <p:nvPr/>
         </p:nvPicPr>
-        <p:blipFill>
+        <p:blipFill rotWithShape="1">
           <a:blip r:embed="rId2"/>
-          <a:stretch>
-            <a:fillRect/>
-          </a:stretch>
+          <a:srcRect r="4353"/>
+          <a:stretch/>
         </p:blipFill>
         <p:spPr>
           <a:xfrm>
             <a:off x="1718370" y="808948"/>
-            <a:ext cx="5707259" cy="3795823"/>
+            <a:ext cx="5458607" cy="3795823"/>
           </a:xfrm>
           <a:prstGeom prst="rect">
             <a:avLst/>
           </a:prstGeom>
         </p:spPr>
       </p:pic>
+      <p:sp>
+        <p:nvSpPr>
+          <p:cNvPr id="5" name="ZoneTexte 4">
+            <a:extLst>
+              <a:ext uri="{FF2B5EF4-FFF2-40B4-BE49-F238E27FC236}">
+                <a16:creationId xmlns:a16="http://schemas.microsoft.com/office/drawing/2014/main" id="{FA295176-66B3-40B7-BF03-2F992DE850F8}"/>
+              </a:ext>
+            </a:extLst>
+          </p:cNvPr>
+          <p:cNvSpPr txBox="1"/>
+          <p:nvPr/>
+        </p:nvSpPr>
+        <p:spPr>
+          <a:xfrm>
+            <a:off x="7088509" y="4296994"/>
+            <a:ext cx="673669" cy="307777"/>
+          </a:xfrm>
+          <a:prstGeom prst="rect">
+            <a:avLst/>
+          </a:prstGeom>
+          <a:noFill/>
+        </p:spPr>
+        <p:txBody>
+          <a:bodyPr wrap="square" rtlCol="0">
+            <a:spAutoFit/>
+          </a:bodyPr>
+          <a:lstStyle/>
+          <a:p>
+            <a:r>
+              <a:rPr lang="fr-FR" sz="1400" b="1" dirty="0" err="1">
+                <a:solidFill>
+                  <a:schemeClr val="tx1">
+                    <a:lumMod val="75000"/>
+                    <a:lumOff val="25000"/>
+                  </a:schemeClr>
+                </a:solidFill>
+              </a:rPr>
+              <a:t>w</a:t>
+            </a:r>
+            <a:r>
+              <a:rPr lang="fr-FR" sz="1400" b="1" baseline="-25000" dirty="0" err="1">
+                <a:solidFill>
+                  <a:schemeClr val="tx1">
+                    <a:lumMod val="75000"/>
+                    <a:lumOff val="25000"/>
+                  </a:schemeClr>
+                </a:solidFill>
+              </a:rPr>
+              <a:t>si</a:t>
+            </a:r>
+            <a:endParaRPr lang="fr-FR" sz="1400" b="1" dirty="0">
+              <a:solidFill>
+                <a:schemeClr val="tx1">
+                  <a:lumMod val="75000"/>
+                  <a:lumOff val="25000"/>
+                </a:schemeClr>
+              </a:solidFill>
+            </a:endParaRPr>
+          </a:p>
+        </p:txBody>
+      </p:sp>
     </p:spTree>
     <p:extLst>
       <p:ext uri="{BB962C8B-B14F-4D97-AF65-F5344CB8AC3E}">
@@ -3666,7 +4906,7 @@
 </p:sld>
 </file>
 
-<file path=ppt/slides/slide6.xml><?xml version="1.0" encoding="utf-8"?>
+<file path=ppt/slides/slide7.xml><?xml version="1.0" encoding="utf-8"?>
 <p:sld xmlns:a="http://schemas.openxmlformats.org/drawingml/2006/main" xmlns:r="http://schemas.openxmlformats.org/officeDocument/2006/relationships" xmlns:p="http://schemas.openxmlformats.org/presentationml/2006/main">
   <p:cSld>
     <p:spTree>
@@ -3707,7 +4947,7 @@
             <a:fld id="{4FAB73BC-B049-4115-A692-8D63A059BFB8}" type="slidenum">
               <a:rPr lang="en-US" smtClean="0"/>
               <a:pPr/>
-              <a:t>6</a:t>
+              <a:t>7</a:t>
             </a:fld>
             <a:endParaRPr lang="en-US" dirty="0"/>
           </a:p>
